--- a/04-CrMagOpt/Pictures/Temp.pptx
+++ b/04-CrMagOpt/Pictures/Temp.pptx
@@ -7,7 +7,7 @@
   <p:sldIdLst>
     <p:sldId id="256" r:id="rId2"/>
   </p:sldIdLst>
-  <p:sldSz cx="5008563" cy="7200900"/>
+  <p:sldSz cx="9180513" cy="7021513"/>
   <p:notesSz cx="6858000" cy="9144000"/>
   <p:defaultTextStyle>
     <a:defPPr>
@@ -136,8 +136,8 @@
         </p:nvSpPr>
         <p:spPr>
           <a:xfrm>
-            <a:off x="375643" y="2236947"/>
-            <a:ext cx="4257279" cy="1543527"/>
+            <a:off x="688544" y="2181224"/>
+            <a:ext cx="7803437" cy="1505075"/>
           </a:xfrm>
         </p:spPr>
         <p:txBody>
@@ -164,8 +164,8 @@
         </p:nvSpPr>
         <p:spPr>
           <a:xfrm>
-            <a:off x="751285" y="4080510"/>
-            <a:ext cx="3505994" cy="1840230"/>
+            <a:off x="1377081" y="3978858"/>
+            <a:ext cx="6426359" cy="1794386"/>
           </a:xfrm>
         </p:spPr>
         <p:txBody>
@@ -288,7 +288,7 @@
           <a:p>
             <a:fld id="{CFB9A4EB-D32E-4313-A1B8-0D1FB85A52B7}" type="datetimeFigureOut">
               <a:rPr lang="fr-FR" smtClean="0"/>
-              <a:t>22/03/2017</a:t>
+              <a:t>26/06/2017</a:t>
             </a:fld>
             <a:endParaRPr lang="fr-FR"/>
           </a:p>
@@ -458,7 +458,7 @@
           <a:p>
             <a:fld id="{CFB9A4EB-D32E-4313-A1B8-0D1FB85A52B7}" type="datetimeFigureOut">
               <a:rPr lang="fr-FR" smtClean="0"/>
-              <a:t>22/03/2017</a:t>
+              <a:t>26/06/2017</a:t>
             </a:fld>
             <a:endParaRPr lang="fr-FR"/>
           </a:p>
@@ -548,8 +548,8 @@
         </p:nvSpPr>
         <p:spPr>
           <a:xfrm>
-            <a:off x="3631208" y="288370"/>
-            <a:ext cx="1126927" cy="6144101"/>
+            <a:off x="6655874" y="281190"/>
+            <a:ext cx="2065617" cy="5991040"/>
           </a:xfrm>
         </p:spPr>
         <p:txBody>
@@ -576,8 +576,8 @@
         </p:nvSpPr>
         <p:spPr>
           <a:xfrm>
-            <a:off x="250429" y="288370"/>
-            <a:ext cx="3297304" cy="6144101"/>
+            <a:off x="459028" y="281190"/>
+            <a:ext cx="6043838" cy="5991040"/>
           </a:xfrm>
         </p:spPr>
         <p:txBody>
@@ -638,7 +638,7 @@
           <a:p>
             <a:fld id="{CFB9A4EB-D32E-4313-A1B8-0D1FB85A52B7}" type="datetimeFigureOut">
               <a:rPr lang="fr-FR" smtClean="0"/>
-              <a:t>22/03/2017</a:t>
+              <a:t>26/06/2017</a:t>
             </a:fld>
             <a:endParaRPr lang="fr-FR"/>
           </a:p>
@@ -808,7 +808,7 @@
           <a:p>
             <a:fld id="{CFB9A4EB-D32E-4313-A1B8-0D1FB85A52B7}" type="datetimeFigureOut">
               <a:rPr lang="fr-FR" smtClean="0"/>
-              <a:t>22/03/2017</a:t>
+              <a:t>26/06/2017</a:t>
             </a:fld>
             <a:endParaRPr lang="fr-FR"/>
           </a:p>
@@ -898,8 +898,8 @@
         </p:nvSpPr>
         <p:spPr>
           <a:xfrm>
-            <a:off x="395642" y="4627246"/>
-            <a:ext cx="4257279" cy="1430178"/>
+            <a:off x="725201" y="4511973"/>
+            <a:ext cx="7803437" cy="1394550"/>
           </a:xfrm>
         </p:spPr>
         <p:txBody>
@@ -930,8 +930,8 @@
         </p:nvSpPr>
         <p:spPr>
           <a:xfrm>
-            <a:off x="395642" y="3052050"/>
-            <a:ext cx="4257279" cy="1575197"/>
+            <a:off x="725201" y="2976020"/>
+            <a:ext cx="7803437" cy="1535956"/>
           </a:xfrm>
         </p:spPr>
         <p:txBody>
@@ -1054,7 +1054,7 @@
           <a:p>
             <a:fld id="{CFB9A4EB-D32E-4313-A1B8-0D1FB85A52B7}" type="datetimeFigureOut">
               <a:rPr lang="fr-FR" smtClean="0"/>
-              <a:t>22/03/2017</a:t>
+              <a:t>26/06/2017</a:t>
             </a:fld>
             <a:endParaRPr lang="fr-FR"/>
           </a:p>
@@ -1167,8 +1167,8 @@
         </p:nvSpPr>
         <p:spPr>
           <a:xfrm>
-            <a:off x="250428" y="1680210"/>
-            <a:ext cx="2212116" cy="4752261"/>
+            <a:off x="459027" y="1638357"/>
+            <a:ext cx="4054727" cy="4633874"/>
           </a:xfrm>
         </p:spPr>
         <p:txBody>
@@ -1252,8 +1252,8 @@
         </p:nvSpPr>
         <p:spPr>
           <a:xfrm>
-            <a:off x="2546019" y="1680210"/>
-            <a:ext cx="2212116" cy="4752261"/>
+            <a:off x="4666763" y="1638357"/>
+            <a:ext cx="4054727" cy="4633874"/>
           </a:xfrm>
         </p:spPr>
         <p:txBody>
@@ -1342,7 +1342,7 @@
           <a:p>
             <a:fld id="{CFB9A4EB-D32E-4313-A1B8-0D1FB85A52B7}" type="datetimeFigureOut">
               <a:rPr lang="fr-FR" smtClean="0"/>
-              <a:t>22/03/2017</a:t>
+              <a:t>26/06/2017</a:t>
             </a:fld>
             <a:endParaRPr lang="fr-FR"/>
           </a:p>
@@ -1459,8 +1459,8 @@
         </p:nvSpPr>
         <p:spPr>
           <a:xfrm>
-            <a:off x="250428" y="1611868"/>
-            <a:ext cx="2212985" cy="671751"/>
+            <a:off x="459029" y="1571717"/>
+            <a:ext cx="4056321" cy="655017"/>
           </a:xfrm>
         </p:spPr>
         <p:txBody>
@@ -1524,8 +1524,8 @@
         </p:nvSpPr>
         <p:spPr>
           <a:xfrm>
-            <a:off x="250428" y="2283620"/>
-            <a:ext cx="2212985" cy="4148852"/>
+            <a:off x="459029" y="2226731"/>
+            <a:ext cx="4056321" cy="4045497"/>
           </a:xfrm>
         </p:spPr>
         <p:txBody>
@@ -1609,8 +1609,8 @@
         </p:nvSpPr>
         <p:spPr>
           <a:xfrm>
-            <a:off x="2544280" y="1611868"/>
-            <a:ext cx="2213855" cy="671751"/>
+            <a:off x="4663576" y="1571717"/>
+            <a:ext cx="4057915" cy="655017"/>
           </a:xfrm>
         </p:spPr>
         <p:txBody>
@@ -1674,8 +1674,8 @@
         </p:nvSpPr>
         <p:spPr>
           <a:xfrm>
-            <a:off x="2544280" y="2283620"/>
-            <a:ext cx="2213855" cy="4148852"/>
+            <a:off x="4663576" y="2226731"/>
+            <a:ext cx="4057915" cy="4045497"/>
           </a:xfrm>
         </p:spPr>
         <p:txBody>
@@ -1764,7 +1764,7 @@
           <a:p>
             <a:fld id="{CFB9A4EB-D32E-4313-A1B8-0D1FB85A52B7}" type="datetimeFigureOut">
               <a:rPr lang="fr-FR" smtClean="0"/>
-              <a:t>22/03/2017</a:t>
+              <a:t>26/06/2017</a:t>
             </a:fld>
             <a:endParaRPr lang="fr-FR"/>
           </a:p>
@@ -1882,7 +1882,7 @@
           <a:p>
             <a:fld id="{CFB9A4EB-D32E-4313-A1B8-0D1FB85A52B7}" type="datetimeFigureOut">
               <a:rPr lang="fr-FR" smtClean="0"/>
-              <a:t>22/03/2017</a:t>
+              <a:t>26/06/2017</a:t>
             </a:fld>
             <a:endParaRPr lang="fr-FR"/>
           </a:p>
@@ -1977,7 +1977,7 @@
           <a:p>
             <a:fld id="{CFB9A4EB-D32E-4313-A1B8-0D1FB85A52B7}" type="datetimeFigureOut">
               <a:rPr lang="fr-FR" smtClean="0"/>
-              <a:t>22/03/2017</a:t>
+              <a:t>26/06/2017</a:t>
             </a:fld>
             <a:endParaRPr lang="fr-FR"/>
           </a:p>
@@ -2067,8 +2067,8 @@
         </p:nvSpPr>
         <p:spPr>
           <a:xfrm>
-            <a:off x="250429" y="286703"/>
-            <a:ext cx="1647782" cy="1220152"/>
+            <a:off x="459028" y="279561"/>
+            <a:ext cx="3020324" cy="1189756"/>
           </a:xfrm>
         </p:spPr>
         <p:txBody>
@@ -2099,8 +2099,8 @@
         </p:nvSpPr>
         <p:spPr>
           <a:xfrm>
-            <a:off x="1958209" y="286702"/>
-            <a:ext cx="2799926" cy="6145769"/>
+            <a:off x="3589326" y="279564"/>
+            <a:ext cx="5132162" cy="5992667"/>
           </a:xfrm>
         </p:spPr>
         <p:txBody>
@@ -2184,8 +2184,8 @@
         </p:nvSpPr>
         <p:spPr>
           <a:xfrm>
-            <a:off x="250429" y="1506855"/>
-            <a:ext cx="1647782" cy="4925617"/>
+            <a:off x="459028" y="1469318"/>
+            <a:ext cx="3020324" cy="4802911"/>
           </a:xfrm>
         </p:spPr>
         <p:txBody>
@@ -2254,7 +2254,7 @@
           <a:p>
             <a:fld id="{CFB9A4EB-D32E-4313-A1B8-0D1FB85A52B7}" type="datetimeFigureOut">
               <a:rPr lang="fr-FR" smtClean="0"/>
-              <a:t>22/03/2017</a:t>
+              <a:t>26/06/2017</a:t>
             </a:fld>
             <a:endParaRPr lang="fr-FR"/>
           </a:p>
@@ -2344,8 +2344,8 @@
         </p:nvSpPr>
         <p:spPr>
           <a:xfrm>
-            <a:off x="981713" y="5040630"/>
-            <a:ext cx="3005138" cy="595074"/>
+            <a:off x="1799445" y="4915059"/>
+            <a:ext cx="5508308" cy="580250"/>
           </a:xfrm>
         </p:spPr>
         <p:txBody>
@@ -2376,8 +2376,8 @@
         </p:nvSpPr>
         <p:spPr>
           <a:xfrm>
-            <a:off x="981713" y="643413"/>
-            <a:ext cx="3005138" cy="4320540"/>
+            <a:off x="1799445" y="627385"/>
+            <a:ext cx="5508308" cy="4212908"/>
           </a:xfrm>
         </p:spPr>
         <p:txBody>
@@ -2437,8 +2437,8 @@
         </p:nvSpPr>
         <p:spPr>
           <a:xfrm>
-            <a:off x="981713" y="5635705"/>
-            <a:ext cx="3005138" cy="845105"/>
+            <a:off x="1799445" y="5495314"/>
+            <a:ext cx="5508308" cy="824052"/>
           </a:xfrm>
         </p:spPr>
         <p:txBody>
@@ -2507,7 +2507,7 @@
           <a:p>
             <a:fld id="{CFB9A4EB-D32E-4313-A1B8-0D1FB85A52B7}" type="datetimeFigureOut">
               <a:rPr lang="fr-FR" smtClean="0"/>
-              <a:t>22/03/2017</a:t>
+              <a:t>26/06/2017</a:t>
             </a:fld>
             <a:endParaRPr lang="fr-FR"/>
           </a:p>
@@ -2602,8 +2602,8 @@
         </p:nvSpPr>
         <p:spPr>
           <a:xfrm>
-            <a:off x="250428" y="288371"/>
-            <a:ext cx="4507707" cy="1200151"/>
+            <a:off x="459027" y="281191"/>
+            <a:ext cx="8262462" cy="1170254"/>
           </a:xfrm>
           <a:prstGeom prst="rect">
             <a:avLst/>
@@ -2635,8 +2635,8 @@
         </p:nvSpPr>
         <p:spPr>
           <a:xfrm>
-            <a:off x="250428" y="1680210"/>
-            <a:ext cx="4507707" cy="4752261"/>
+            <a:off x="459027" y="1638357"/>
+            <a:ext cx="8262462" cy="4633874"/>
           </a:xfrm>
           <a:prstGeom prst="rect">
             <a:avLst/>
@@ -2697,8 +2697,8 @@
         </p:nvSpPr>
         <p:spPr>
           <a:xfrm>
-            <a:off x="250428" y="6674168"/>
-            <a:ext cx="1168665" cy="383382"/>
+            <a:off x="459027" y="6507903"/>
+            <a:ext cx="2142120" cy="373831"/>
           </a:xfrm>
           <a:prstGeom prst="rect">
             <a:avLst/>
@@ -2720,7 +2720,7 @@
           <a:p>
             <a:fld id="{CFB9A4EB-D32E-4313-A1B8-0D1FB85A52B7}" type="datetimeFigureOut">
               <a:rPr lang="fr-FR" smtClean="0"/>
-              <a:t>22/03/2017</a:t>
+              <a:t>26/06/2017</a:t>
             </a:fld>
             <a:endParaRPr lang="fr-FR"/>
           </a:p>
@@ -2738,8 +2738,8 @@
         </p:nvSpPr>
         <p:spPr>
           <a:xfrm>
-            <a:off x="1711260" y="6674168"/>
-            <a:ext cx="1586045" cy="383382"/>
+            <a:off x="3136678" y="6507903"/>
+            <a:ext cx="2907162" cy="373831"/>
           </a:xfrm>
           <a:prstGeom prst="rect">
             <a:avLst/>
@@ -2775,8 +2775,8 @@
         </p:nvSpPr>
         <p:spPr>
           <a:xfrm>
-            <a:off x="3589470" y="6674168"/>
-            <a:ext cx="1168665" cy="383382"/>
+            <a:off x="6579369" y="6507903"/>
+            <a:ext cx="2142120" cy="373831"/>
           </a:xfrm>
           <a:prstGeom prst="rect">
             <a:avLst/>
@@ -3097,7 +3097,7 @@
       </p:grpSpPr>
       <p:pic>
         <p:nvPicPr>
-          <p:cNvPr id="5" name="Picture 2"/>
+          <p:cNvPr id="21" name="Picture 2"/>
           <p:cNvPicPr>
             <a:picLocks noChangeAspect="1" noChangeArrowheads="1"/>
           </p:cNvPicPr>
@@ -3118,7 +3118,7 @@
         </p:blipFill>
         <p:spPr bwMode="auto">
           <a:xfrm>
-            <a:off x="-15999" y="0"/>
+            <a:off x="-143792" y="-143966"/>
             <a:ext cx="5006642" cy="7200000"/>
           </a:xfrm>
           <a:prstGeom prst="rect">
@@ -3159,6 +3159,137 @@
           </a:extLst>
         </p:spPr>
       </p:pic>
+      <p:sp>
+        <p:nvSpPr>
+          <p:cNvPr id="23" name="ZoneTexte 22"/>
+          <p:cNvSpPr txBox="1"/>
+          <p:nvPr/>
+        </p:nvSpPr>
+        <p:spPr>
+          <a:xfrm>
+            <a:off x="-9722" y="-101525"/>
+            <a:ext cx="423514" cy="461665"/>
+          </a:xfrm>
+          <a:prstGeom prst="rect">
+            <a:avLst/>
+          </a:prstGeom>
+          <a:noFill/>
+        </p:spPr>
+        <p:txBody>
+          <a:bodyPr wrap="none" rtlCol="0">
+            <a:spAutoFit/>
+          </a:bodyPr>
+          <a:lstStyle/>
+          <a:p>
+            <a:r>
+              <a:rPr lang="fr-FR" sz="2400" dirty="0" smtClean="0">
+                <a:latin typeface="Times New Roman" panose="02020603050405020304" pitchFamily="18" charset="0"/>
+                <a:cs typeface="Times New Roman" panose="02020603050405020304" pitchFamily="18" charset="0"/>
+              </a:rPr>
+              <a:t>a)</a:t>
+            </a:r>
+            <a:endParaRPr lang="fr-FR" sz="2400" dirty="0">
+              <a:latin typeface="Times New Roman" panose="02020603050405020304" pitchFamily="18" charset="0"/>
+              <a:cs typeface="Times New Roman" panose="02020603050405020304" pitchFamily="18" charset="0"/>
+            </a:endParaRPr>
+          </a:p>
+        </p:txBody>
+      </p:sp>
+      <p:pic>
+        <p:nvPicPr>
+          <p:cNvPr id="1031" name="Picture 7"/>
+          <p:cNvPicPr>
+            <a:picLocks noChangeAspect="1" noChangeArrowheads="1"/>
+          </p:cNvPicPr>
+          <p:nvPr/>
+        </p:nvPicPr>
+        <p:blipFill rotWithShape="1">
+          <a:blip r:embed="rId3">
+            <a:extLst>
+              <a:ext uri="{28A0092B-C50C-407E-A947-70E740481C1C}">
+                <a14:useLocalDpi xmlns:a14="http://schemas.microsoft.com/office/drawing/2010/main" val="0"/>
+              </a:ext>
+            </a:extLst>
+          </a:blip>
+          <a:srcRect l="9458" r="5764"/>
+          <a:stretch/>
+        </p:blipFill>
+        <p:spPr bwMode="auto">
+          <a:xfrm>
+            <a:off x="4525200" y="-144000"/>
+            <a:ext cx="4570684" cy="7264800"/>
+          </a:xfrm>
+          <a:prstGeom prst="rect">
+            <a:avLst/>
+          </a:prstGeom>
+          <a:noFill/>
+          <a:ln>
+            <a:noFill/>
+          </a:ln>
+          <a:extLst>
+            <a:ext uri="{909E8E84-426E-40DD-AFC4-6F175D3DCCD1}">
+              <a14:hiddenFill xmlns:a14="http://schemas.microsoft.com/office/drawing/2010/main">
+                <a:solidFill>
+                  <a:schemeClr val="accent1"/>
+                </a:solidFill>
+              </a14:hiddenFill>
+            </a:ext>
+            <a:ext uri="{91240B29-F687-4F45-9708-019B960494DF}">
+              <a14:hiddenLine xmlns:a14="http://schemas.microsoft.com/office/drawing/2010/main" w="9525">
+                <a:solidFill>
+                  <a:schemeClr val="tx1"/>
+                </a:solidFill>
+                <a:miter lim="800000"/>
+                <a:headEnd/>
+                <a:tailEnd/>
+              </a14:hiddenLine>
+            </a:ext>
+          </a:extLst>
+        </p:spPr>
+      </p:pic>
+      <p:sp>
+        <p:nvSpPr>
+          <p:cNvPr id="24" name="ZoneTexte 23"/>
+          <p:cNvSpPr txBox="1"/>
+          <p:nvPr/>
+        </p:nvSpPr>
+        <p:spPr>
+          <a:xfrm>
+            <a:off x="4598790" y="-89644"/>
+            <a:ext cx="441146" cy="461665"/>
+          </a:xfrm>
+          <a:prstGeom prst="rect">
+            <a:avLst/>
+          </a:prstGeom>
+          <a:noFill/>
+        </p:spPr>
+        <p:txBody>
+          <a:bodyPr wrap="none" rtlCol="0">
+            <a:spAutoFit/>
+          </a:bodyPr>
+          <a:lstStyle/>
+          <a:p>
+            <a:r>
+              <a:rPr lang="fr-FR" sz="2400" dirty="0">
+                <a:latin typeface="Times New Roman" panose="02020603050405020304" pitchFamily="18" charset="0"/>
+                <a:cs typeface="Times New Roman" panose="02020603050405020304" pitchFamily="18" charset="0"/>
+              </a:rPr>
+              <a:t>b</a:t>
+            </a:r>
+            <a:r>
+              <a:rPr lang="fr-FR" sz="2400" dirty="0" smtClean="0">
+                <a:latin typeface="Times New Roman" panose="02020603050405020304" pitchFamily="18" charset="0"/>
+                <a:cs typeface="Times New Roman" panose="02020603050405020304" pitchFamily="18" charset="0"/>
+              </a:rPr>
+              <a:t>)</a:t>
+            </a:r>
+            <a:endParaRPr lang="fr-FR" sz="2400" dirty="0">
+              <a:latin typeface="Times New Roman" panose="02020603050405020304" pitchFamily="18" charset="0"/>
+              <a:cs typeface="Times New Roman" panose="02020603050405020304" pitchFamily="18" charset="0"/>
+            </a:endParaRPr>
+          </a:p>
+        </p:txBody>
+      </p:sp>
     </p:spTree>
     <p:extLst>
       <p:ext uri="{BB962C8B-B14F-4D97-AF65-F5344CB8AC3E}">

--- a/04-CrMagOpt/Pictures/Temp.pptx
+++ b/04-CrMagOpt/Pictures/Temp.pptx
@@ -288,7 +288,7 @@
           <a:p>
             <a:fld id="{CFB9A4EB-D32E-4313-A1B8-0D1FB85A52B7}" type="datetimeFigureOut">
               <a:rPr lang="fr-FR" smtClean="0"/>
-              <a:t>26/06/2017</a:t>
+              <a:t>29/06/2017</a:t>
             </a:fld>
             <a:endParaRPr lang="fr-FR"/>
           </a:p>
@@ -458,7 +458,7 @@
           <a:p>
             <a:fld id="{CFB9A4EB-D32E-4313-A1B8-0D1FB85A52B7}" type="datetimeFigureOut">
               <a:rPr lang="fr-FR" smtClean="0"/>
-              <a:t>26/06/2017</a:t>
+              <a:t>29/06/2017</a:t>
             </a:fld>
             <a:endParaRPr lang="fr-FR"/>
           </a:p>
@@ -638,7 +638,7 @@
           <a:p>
             <a:fld id="{CFB9A4EB-D32E-4313-A1B8-0D1FB85A52B7}" type="datetimeFigureOut">
               <a:rPr lang="fr-FR" smtClean="0"/>
-              <a:t>26/06/2017</a:t>
+              <a:t>29/06/2017</a:t>
             </a:fld>
             <a:endParaRPr lang="fr-FR"/>
           </a:p>
@@ -808,7 +808,7 @@
           <a:p>
             <a:fld id="{CFB9A4EB-D32E-4313-A1B8-0D1FB85A52B7}" type="datetimeFigureOut">
               <a:rPr lang="fr-FR" smtClean="0"/>
-              <a:t>26/06/2017</a:t>
+              <a:t>29/06/2017</a:t>
             </a:fld>
             <a:endParaRPr lang="fr-FR"/>
           </a:p>
@@ -1054,7 +1054,7 @@
           <a:p>
             <a:fld id="{CFB9A4EB-D32E-4313-A1B8-0D1FB85A52B7}" type="datetimeFigureOut">
               <a:rPr lang="fr-FR" smtClean="0"/>
-              <a:t>26/06/2017</a:t>
+              <a:t>29/06/2017</a:t>
             </a:fld>
             <a:endParaRPr lang="fr-FR"/>
           </a:p>
@@ -1342,7 +1342,7 @@
           <a:p>
             <a:fld id="{CFB9A4EB-D32E-4313-A1B8-0D1FB85A52B7}" type="datetimeFigureOut">
               <a:rPr lang="fr-FR" smtClean="0"/>
-              <a:t>26/06/2017</a:t>
+              <a:t>29/06/2017</a:t>
             </a:fld>
             <a:endParaRPr lang="fr-FR"/>
           </a:p>
@@ -1764,7 +1764,7 @@
           <a:p>
             <a:fld id="{CFB9A4EB-D32E-4313-A1B8-0D1FB85A52B7}" type="datetimeFigureOut">
               <a:rPr lang="fr-FR" smtClean="0"/>
-              <a:t>26/06/2017</a:t>
+              <a:t>29/06/2017</a:t>
             </a:fld>
             <a:endParaRPr lang="fr-FR"/>
           </a:p>
@@ -1882,7 +1882,7 @@
           <a:p>
             <a:fld id="{CFB9A4EB-D32E-4313-A1B8-0D1FB85A52B7}" type="datetimeFigureOut">
               <a:rPr lang="fr-FR" smtClean="0"/>
-              <a:t>26/06/2017</a:t>
+              <a:t>29/06/2017</a:t>
             </a:fld>
             <a:endParaRPr lang="fr-FR"/>
           </a:p>
@@ -1977,7 +1977,7 @@
           <a:p>
             <a:fld id="{CFB9A4EB-D32E-4313-A1B8-0D1FB85A52B7}" type="datetimeFigureOut">
               <a:rPr lang="fr-FR" smtClean="0"/>
-              <a:t>26/06/2017</a:t>
+              <a:t>29/06/2017</a:t>
             </a:fld>
             <a:endParaRPr lang="fr-FR"/>
           </a:p>
@@ -2254,7 +2254,7 @@
           <a:p>
             <a:fld id="{CFB9A4EB-D32E-4313-A1B8-0D1FB85A52B7}" type="datetimeFigureOut">
               <a:rPr lang="fr-FR" smtClean="0"/>
-              <a:t>26/06/2017</a:t>
+              <a:t>29/06/2017</a:t>
             </a:fld>
             <a:endParaRPr lang="fr-FR"/>
           </a:p>
@@ -2507,7 +2507,7 @@
           <a:p>
             <a:fld id="{CFB9A4EB-D32E-4313-A1B8-0D1FB85A52B7}" type="datetimeFigureOut">
               <a:rPr lang="fr-FR" smtClean="0"/>
-              <a:t>26/06/2017</a:t>
+              <a:t>29/06/2017</a:t>
             </a:fld>
             <a:endParaRPr lang="fr-FR"/>
           </a:p>
@@ -2720,7 +2720,7 @@
           <a:p>
             <a:fld id="{CFB9A4EB-D32E-4313-A1B8-0D1FB85A52B7}" type="datetimeFigureOut">
               <a:rPr lang="fr-FR" smtClean="0"/>
-              <a:t>26/06/2017</a:t>
+              <a:t>29/06/2017</a:t>
             </a:fld>
             <a:endParaRPr lang="fr-FR"/>
           </a:p>
@@ -3097,6 +3097,60 @@
       </p:grpSpPr>
       <p:pic>
         <p:nvPicPr>
+          <p:cNvPr id="1033" name="Picture 9"/>
+          <p:cNvPicPr>
+            <a:picLocks noChangeAspect="1" noChangeArrowheads="1"/>
+          </p:cNvPicPr>
+          <p:nvPr/>
+        </p:nvPicPr>
+        <p:blipFill>
+          <a:blip r:embed="rId2">
+            <a:extLst>
+              <a:ext uri="{28A0092B-C50C-407E-A947-70E740481C1C}">
+                <a14:useLocalDpi xmlns:a14="http://schemas.microsoft.com/office/drawing/2010/main" val="0"/>
+              </a:ext>
+            </a:extLst>
+          </a:blip>
+          <a:srcRect/>
+          <a:stretch>
+            <a:fillRect/>
+          </a:stretch>
+        </p:blipFill>
+        <p:spPr bwMode="auto">
+          <a:xfrm>
+            <a:off x="4662000" y="-108000"/>
+            <a:ext cx="4815003" cy="7174800"/>
+          </a:xfrm>
+          <a:prstGeom prst="rect">
+            <a:avLst/>
+          </a:prstGeom>
+          <a:noFill/>
+          <a:ln>
+            <a:noFill/>
+          </a:ln>
+          <a:extLst>
+            <a:ext uri="{909E8E84-426E-40DD-AFC4-6F175D3DCCD1}">
+              <a14:hiddenFill xmlns:a14="http://schemas.microsoft.com/office/drawing/2010/main">
+                <a:solidFill>
+                  <a:schemeClr val="accent1"/>
+                </a:solidFill>
+              </a14:hiddenFill>
+            </a:ext>
+            <a:ext uri="{91240B29-F687-4F45-9708-019B960494DF}">
+              <a14:hiddenLine xmlns:a14="http://schemas.microsoft.com/office/drawing/2010/main" w="9525">
+                <a:solidFill>
+                  <a:schemeClr val="tx1"/>
+                </a:solidFill>
+                <a:miter lim="800000"/>
+                <a:headEnd/>
+                <a:tailEnd/>
+              </a14:hiddenLine>
+            </a:ext>
+          </a:extLst>
+        </p:spPr>
+      </p:pic>
+      <p:pic>
+        <p:nvPicPr>
           <p:cNvPr id="21" name="Picture 2"/>
           <p:cNvPicPr>
             <a:picLocks noChangeAspect="1" noChangeArrowheads="1"/>
@@ -3104,7 +3158,7 @@
           <p:nvPr/>
         </p:nvPicPr>
         <p:blipFill>
-          <a:blip r:embed="rId2">
+          <a:blip r:embed="rId3">
             <a:extLst>
               <a:ext uri="{28A0092B-C50C-407E-A947-70E740481C1C}">
                 <a14:useLocalDpi xmlns:a14="http://schemas.microsoft.com/office/drawing/2010/main" val="0"/>
@@ -3195,58 +3249,6 @@
           </a:p>
         </p:txBody>
       </p:sp>
-      <p:pic>
-        <p:nvPicPr>
-          <p:cNvPr id="1031" name="Picture 7"/>
-          <p:cNvPicPr>
-            <a:picLocks noChangeAspect="1" noChangeArrowheads="1"/>
-          </p:cNvPicPr>
-          <p:nvPr/>
-        </p:nvPicPr>
-        <p:blipFill rotWithShape="1">
-          <a:blip r:embed="rId3">
-            <a:extLst>
-              <a:ext uri="{28A0092B-C50C-407E-A947-70E740481C1C}">
-                <a14:useLocalDpi xmlns:a14="http://schemas.microsoft.com/office/drawing/2010/main" val="0"/>
-              </a:ext>
-            </a:extLst>
-          </a:blip>
-          <a:srcRect l="9458" r="5764"/>
-          <a:stretch/>
-        </p:blipFill>
-        <p:spPr bwMode="auto">
-          <a:xfrm>
-            <a:off x="4525200" y="-144000"/>
-            <a:ext cx="4570684" cy="7264800"/>
-          </a:xfrm>
-          <a:prstGeom prst="rect">
-            <a:avLst/>
-          </a:prstGeom>
-          <a:noFill/>
-          <a:ln>
-            <a:noFill/>
-          </a:ln>
-          <a:extLst>
-            <a:ext uri="{909E8E84-426E-40DD-AFC4-6F175D3DCCD1}">
-              <a14:hiddenFill xmlns:a14="http://schemas.microsoft.com/office/drawing/2010/main">
-                <a:solidFill>
-                  <a:schemeClr val="accent1"/>
-                </a:solidFill>
-              </a14:hiddenFill>
-            </a:ext>
-            <a:ext uri="{91240B29-F687-4F45-9708-019B960494DF}">
-              <a14:hiddenLine xmlns:a14="http://schemas.microsoft.com/office/drawing/2010/main" w="9525">
-                <a:solidFill>
-                  <a:schemeClr val="tx1"/>
-                </a:solidFill>
-                <a:miter lim="800000"/>
-                <a:headEnd/>
-                <a:tailEnd/>
-              </a14:hiddenLine>
-            </a:ext>
-          </a:extLst>
-        </p:spPr>
-      </p:pic>
       <p:sp>
         <p:nvSpPr>
           <p:cNvPr id="24" name="ZoneTexte 23"/>

--- a/04-CrMagOpt/Pictures/Temp.pptx
+++ b/04-CrMagOpt/Pictures/Temp.pptx
@@ -4,10 +4,13 @@
   <p:sldMasterIdLst>
     <p:sldMasterId id="2147483648" r:id="rId1"/>
   </p:sldMasterIdLst>
+  <p:notesMasterIdLst>
+    <p:notesMasterId r:id="rId3"/>
+  </p:notesMasterIdLst>
   <p:sldIdLst>
     <p:sldId id="256" r:id="rId2"/>
   </p:sldIdLst>
-  <p:sldSz cx="9180513" cy="7021513"/>
+  <p:sldSz cx="9290050" cy="7021513"/>
   <p:notesSz cx="6858000" cy="9144000"/>
   <p:defaultTextStyle>
     <a:defPPr>
@@ -107,6 +110,445 @@
 </p:presentation>
 </file>
 
+<file path=ppt/notesMasters/notesMaster1.xml><?xml version="1.0" encoding="utf-8"?>
+<p:notesMaster xmlns:a="http://schemas.openxmlformats.org/drawingml/2006/main" xmlns:r="http://schemas.openxmlformats.org/officeDocument/2006/relationships" xmlns:p="http://schemas.openxmlformats.org/presentationml/2006/main">
+  <p:cSld>
+    <p:bg>
+      <p:bgRef idx="1001">
+        <a:schemeClr val="bg1"/>
+      </p:bgRef>
+    </p:bg>
+    <p:spTree>
+      <p:nvGrpSpPr>
+        <p:cNvPr id="1" name=""/>
+        <p:cNvGrpSpPr/>
+        <p:nvPr/>
+      </p:nvGrpSpPr>
+      <p:grpSpPr>
+        <a:xfrm>
+          <a:off x="0" y="0"/>
+          <a:ext cx="0" cy="0"/>
+          <a:chOff x="0" y="0"/>
+          <a:chExt cx="0" cy="0"/>
+        </a:xfrm>
+      </p:grpSpPr>
+      <p:sp>
+        <p:nvSpPr>
+          <p:cNvPr id="2" name="Espace réservé de l'en-tête 1"/>
+          <p:cNvSpPr>
+            <a:spLocks noGrp="1"/>
+          </p:cNvSpPr>
+          <p:nvPr>
+            <p:ph type="hdr" sz="quarter"/>
+          </p:nvPr>
+        </p:nvSpPr>
+        <p:spPr>
+          <a:xfrm>
+            <a:off x="0" y="0"/>
+            <a:ext cx="2971800" cy="457200"/>
+          </a:xfrm>
+          <a:prstGeom prst="rect">
+            <a:avLst/>
+          </a:prstGeom>
+        </p:spPr>
+        <p:txBody>
+          <a:bodyPr vert="horz" lIns="91440" tIns="45720" rIns="91440" bIns="45720" rtlCol="0"/>
+          <a:lstStyle>
+            <a:lvl1pPr algn="l">
+              <a:defRPr sz="1200"/>
+            </a:lvl1pPr>
+          </a:lstStyle>
+          <a:p>
+            <a:endParaRPr lang="fr-FR"/>
+          </a:p>
+        </p:txBody>
+      </p:sp>
+      <p:sp>
+        <p:nvSpPr>
+          <p:cNvPr id="3" name="Espace réservé de la date 2"/>
+          <p:cNvSpPr>
+            <a:spLocks noGrp="1"/>
+          </p:cNvSpPr>
+          <p:nvPr>
+            <p:ph type="dt" idx="1"/>
+          </p:nvPr>
+        </p:nvSpPr>
+        <p:spPr>
+          <a:xfrm>
+            <a:off x="3884613" y="0"/>
+            <a:ext cx="2971800" cy="457200"/>
+          </a:xfrm>
+          <a:prstGeom prst="rect">
+            <a:avLst/>
+          </a:prstGeom>
+        </p:spPr>
+        <p:txBody>
+          <a:bodyPr vert="horz" lIns="91440" tIns="45720" rIns="91440" bIns="45720" rtlCol="0"/>
+          <a:lstStyle>
+            <a:lvl1pPr algn="r">
+              <a:defRPr sz="1200"/>
+            </a:lvl1pPr>
+          </a:lstStyle>
+          <a:p>
+            <a:fld id="{5D583F6F-F7F0-4D75-9E4D-E9BA3E1902CE}" type="datetimeFigureOut">
+              <a:rPr lang="fr-FR" smtClean="0"/>
+              <a:t>18/07/2017</a:t>
+            </a:fld>
+            <a:endParaRPr lang="fr-FR"/>
+          </a:p>
+        </p:txBody>
+      </p:sp>
+      <p:sp>
+        <p:nvSpPr>
+          <p:cNvPr id="4" name="Espace réservé de l'image des diapositives 3"/>
+          <p:cNvSpPr>
+            <a:spLocks noGrp="1" noRot="1" noChangeAspect="1"/>
+          </p:cNvSpPr>
+          <p:nvPr>
+            <p:ph type="sldImg" idx="2"/>
+          </p:nvPr>
+        </p:nvSpPr>
+        <p:spPr>
+          <a:xfrm>
+            <a:off x="1162050" y="685800"/>
+            <a:ext cx="4533900" cy="3429000"/>
+          </a:xfrm>
+          <a:prstGeom prst="rect">
+            <a:avLst/>
+          </a:prstGeom>
+          <a:noFill/>
+          <a:ln w="12700">
+            <a:solidFill>
+              <a:prstClr val="black"/>
+            </a:solidFill>
+          </a:ln>
+        </p:spPr>
+        <p:txBody>
+          <a:bodyPr vert="horz" lIns="91440" tIns="45720" rIns="91440" bIns="45720" rtlCol="0" anchor="ctr"/>
+          <a:lstStyle/>
+          <a:p>
+            <a:endParaRPr lang="fr-FR"/>
+          </a:p>
+        </p:txBody>
+      </p:sp>
+      <p:sp>
+        <p:nvSpPr>
+          <p:cNvPr id="5" name="Espace réservé des commentaires 4"/>
+          <p:cNvSpPr>
+            <a:spLocks noGrp="1"/>
+          </p:cNvSpPr>
+          <p:nvPr>
+            <p:ph type="body" sz="quarter" idx="3"/>
+          </p:nvPr>
+        </p:nvSpPr>
+        <p:spPr>
+          <a:xfrm>
+            <a:off x="685800" y="4343400"/>
+            <a:ext cx="5486400" cy="4114800"/>
+          </a:xfrm>
+          <a:prstGeom prst="rect">
+            <a:avLst/>
+          </a:prstGeom>
+        </p:spPr>
+        <p:txBody>
+          <a:bodyPr vert="horz" lIns="91440" tIns="45720" rIns="91440" bIns="45720" rtlCol="0"/>
+          <a:lstStyle/>
+          <a:p>
+            <a:pPr lvl="0"/>
+            <a:r>
+              <a:rPr lang="fr-FR" smtClean="0"/>
+              <a:t>Modifiez les styles du texte du masque</a:t>
+            </a:r>
+          </a:p>
+          <a:p>
+            <a:pPr lvl="1"/>
+            <a:r>
+              <a:rPr lang="fr-FR" smtClean="0"/>
+              <a:t>Deuxième niveau</a:t>
+            </a:r>
+          </a:p>
+          <a:p>
+            <a:pPr lvl="2"/>
+            <a:r>
+              <a:rPr lang="fr-FR" smtClean="0"/>
+              <a:t>Troisième niveau</a:t>
+            </a:r>
+          </a:p>
+          <a:p>
+            <a:pPr lvl="3"/>
+            <a:r>
+              <a:rPr lang="fr-FR" smtClean="0"/>
+              <a:t>Quatrième niveau</a:t>
+            </a:r>
+          </a:p>
+          <a:p>
+            <a:pPr lvl="4"/>
+            <a:r>
+              <a:rPr lang="fr-FR" smtClean="0"/>
+              <a:t>Cinquième niveau</a:t>
+            </a:r>
+            <a:endParaRPr lang="fr-FR"/>
+          </a:p>
+        </p:txBody>
+      </p:sp>
+      <p:sp>
+        <p:nvSpPr>
+          <p:cNvPr id="6" name="Espace réservé du pied de page 5"/>
+          <p:cNvSpPr>
+            <a:spLocks noGrp="1"/>
+          </p:cNvSpPr>
+          <p:nvPr>
+            <p:ph type="ftr" sz="quarter" idx="4"/>
+          </p:nvPr>
+        </p:nvSpPr>
+        <p:spPr>
+          <a:xfrm>
+            <a:off x="0" y="8685213"/>
+            <a:ext cx="2971800" cy="457200"/>
+          </a:xfrm>
+          <a:prstGeom prst="rect">
+            <a:avLst/>
+          </a:prstGeom>
+        </p:spPr>
+        <p:txBody>
+          <a:bodyPr vert="horz" lIns="91440" tIns="45720" rIns="91440" bIns="45720" rtlCol="0" anchor="b"/>
+          <a:lstStyle>
+            <a:lvl1pPr algn="l">
+              <a:defRPr sz="1200"/>
+            </a:lvl1pPr>
+          </a:lstStyle>
+          <a:p>
+            <a:endParaRPr lang="fr-FR"/>
+          </a:p>
+        </p:txBody>
+      </p:sp>
+      <p:sp>
+        <p:nvSpPr>
+          <p:cNvPr id="7" name="Espace réservé du numéro de diapositive 6"/>
+          <p:cNvSpPr>
+            <a:spLocks noGrp="1"/>
+          </p:cNvSpPr>
+          <p:nvPr>
+            <p:ph type="sldNum" sz="quarter" idx="5"/>
+          </p:nvPr>
+        </p:nvSpPr>
+        <p:spPr>
+          <a:xfrm>
+            <a:off x="3884613" y="8685213"/>
+            <a:ext cx="2971800" cy="457200"/>
+          </a:xfrm>
+          <a:prstGeom prst="rect">
+            <a:avLst/>
+          </a:prstGeom>
+        </p:spPr>
+        <p:txBody>
+          <a:bodyPr vert="horz" lIns="91440" tIns="45720" rIns="91440" bIns="45720" rtlCol="0" anchor="b"/>
+          <a:lstStyle>
+            <a:lvl1pPr algn="r">
+              <a:defRPr sz="1200"/>
+            </a:lvl1pPr>
+          </a:lstStyle>
+          <a:p>
+            <a:fld id="{440FC0A7-280A-49A1-8C66-8E62F92236CF}" type="slidenum">
+              <a:rPr lang="fr-FR" smtClean="0"/>
+              <a:t>‹N°›</a:t>
+            </a:fld>
+            <a:endParaRPr lang="fr-FR"/>
+          </a:p>
+        </p:txBody>
+      </p:sp>
+    </p:spTree>
+    <p:extLst>
+      <p:ext uri="{BB962C8B-B14F-4D97-AF65-F5344CB8AC3E}">
+        <p14:creationId xmlns:p14="http://schemas.microsoft.com/office/powerpoint/2010/main" val="3569268768"/>
+      </p:ext>
+    </p:extLst>
+  </p:cSld>
+  <p:clrMap bg1="lt1" tx1="dk1" bg2="lt2" tx2="dk2" accent1="accent1" accent2="accent2" accent3="accent3" accent4="accent4" accent5="accent5" accent6="accent6" hlink="hlink" folHlink="folHlink"/>
+  <p:notesStyle>
+    <a:lvl1pPr marL="0" algn="l" defTabSz="914400" rtl="0" eaLnBrk="1" latinLnBrk="0" hangingPunct="1">
+      <a:defRPr sz="1200" kern="1200">
+        <a:solidFill>
+          <a:schemeClr val="tx1"/>
+        </a:solidFill>
+        <a:latin typeface="+mn-lt"/>
+        <a:ea typeface="+mn-ea"/>
+        <a:cs typeface="+mn-cs"/>
+      </a:defRPr>
+    </a:lvl1pPr>
+    <a:lvl2pPr marL="457200" algn="l" defTabSz="914400" rtl="0" eaLnBrk="1" latinLnBrk="0" hangingPunct="1">
+      <a:defRPr sz="1200" kern="1200">
+        <a:solidFill>
+          <a:schemeClr val="tx1"/>
+        </a:solidFill>
+        <a:latin typeface="+mn-lt"/>
+        <a:ea typeface="+mn-ea"/>
+        <a:cs typeface="+mn-cs"/>
+      </a:defRPr>
+    </a:lvl2pPr>
+    <a:lvl3pPr marL="914400" algn="l" defTabSz="914400" rtl="0" eaLnBrk="1" latinLnBrk="0" hangingPunct="1">
+      <a:defRPr sz="1200" kern="1200">
+        <a:solidFill>
+          <a:schemeClr val="tx1"/>
+        </a:solidFill>
+        <a:latin typeface="+mn-lt"/>
+        <a:ea typeface="+mn-ea"/>
+        <a:cs typeface="+mn-cs"/>
+      </a:defRPr>
+    </a:lvl3pPr>
+    <a:lvl4pPr marL="1371600" algn="l" defTabSz="914400" rtl="0" eaLnBrk="1" latinLnBrk="0" hangingPunct="1">
+      <a:defRPr sz="1200" kern="1200">
+        <a:solidFill>
+          <a:schemeClr val="tx1"/>
+        </a:solidFill>
+        <a:latin typeface="+mn-lt"/>
+        <a:ea typeface="+mn-ea"/>
+        <a:cs typeface="+mn-cs"/>
+      </a:defRPr>
+    </a:lvl4pPr>
+    <a:lvl5pPr marL="1828800" algn="l" defTabSz="914400" rtl="0" eaLnBrk="1" latinLnBrk="0" hangingPunct="1">
+      <a:defRPr sz="1200" kern="1200">
+        <a:solidFill>
+          <a:schemeClr val="tx1"/>
+        </a:solidFill>
+        <a:latin typeface="+mn-lt"/>
+        <a:ea typeface="+mn-ea"/>
+        <a:cs typeface="+mn-cs"/>
+      </a:defRPr>
+    </a:lvl5pPr>
+    <a:lvl6pPr marL="2286000" algn="l" defTabSz="914400" rtl="0" eaLnBrk="1" latinLnBrk="0" hangingPunct="1">
+      <a:defRPr sz="1200" kern="1200">
+        <a:solidFill>
+          <a:schemeClr val="tx1"/>
+        </a:solidFill>
+        <a:latin typeface="+mn-lt"/>
+        <a:ea typeface="+mn-ea"/>
+        <a:cs typeface="+mn-cs"/>
+      </a:defRPr>
+    </a:lvl6pPr>
+    <a:lvl7pPr marL="2743200" algn="l" defTabSz="914400" rtl="0" eaLnBrk="1" latinLnBrk="0" hangingPunct="1">
+      <a:defRPr sz="1200" kern="1200">
+        <a:solidFill>
+          <a:schemeClr val="tx1"/>
+        </a:solidFill>
+        <a:latin typeface="+mn-lt"/>
+        <a:ea typeface="+mn-ea"/>
+        <a:cs typeface="+mn-cs"/>
+      </a:defRPr>
+    </a:lvl7pPr>
+    <a:lvl8pPr marL="3200400" algn="l" defTabSz="914400" rtl="0" eaLnBrk="1" latinLnBrk="0" hangingPunct="1">
+      <a:defRPr sz="1200" kern="1200">
+        <a:solidFill>
+          <a:schemeClr val="tx1"/>
+        </a:solidFill>
+        <a:latin typeface="+mn-lt"/>
+        <a:ea typeface="+mn-ea"/>
+        <a:cs typeface="+mn-cs"/>
+      </a:defRPr>
+    </a:lvl8pPr>
+    <a:lvl9pPr marL="3657600" algn="l" defTabSz="914400" rtl="0" eaLnBrk="1" latinLnBrk="0" hangingPunct="1">
+      <a:defRPr sz="1200" kern="1200">
+        <a:solidFill>
+          <a:schemeClr val="tx1"/>
+        </a:solidFill>
+        <a:latin typeface="+mn-lt"/>
+        <a:ea typeface="+mn-ea"/>
+        <a:cs typeface="+mn-cs"/>
+      </a:defRPr>
+    </a:lvl9pPr>
+  </p:notesStyle>
+</p:notesMaster>
+</file>
+
+<file path=ppt/notesSlides/notesSlide1.xml><?xml version="1.0" encoding="utf-8"?>
+<p:notes xmlns:a="http://schemas.openxmlformats.org/drawingml/2006/main" xmlns:r="http://schemas.openxmlformats.org/officeDocument/2006/relationships" xmlns:p="http://schemas.openxmlformats.org/presentationml/2006/main">
+  <p:cSld>
+    <p:spTree>
+      <p:nvGrpSpPr>
+        <p:cNvPr id="1" name=""/>
+        <p:cNvGrpSpPr/>
+        <p:nvPr/>
+      </p:nvGrpSpPr>
+      <p:grpSpPr>
+        <a:xfrm>
+          <a:off x="0" y="0"/>
+          <a:ext cx="0" cy="0"/>
+          <a:chOff x="0" y="0"/>
+          <a:chExt cx="0" cy="0"/>
+        </a:xfrm>
+      </p:grpSpPr>
+      <p:sp>
+        <p:nvSpPr>
+          <p:cNvPr id="2" name="Espace réservé de l'image des diapositives 1"/>
+          <p:cNvSpPr>
+            <a:spLocks noGrp="1" noRot="1" noChangeAspect="1"/>
+          </p:cNvSpPr>
+          <p:nvPr>
+            <p:ph type="sldImg"/>
+          </p:nvPr>
+        </p:nvSpPr>
+        <p:spPr>
+          <a:xfrm>
+            <a:off x="1162050" y="685800"/>
+            <a:ext cx="4533900" cy="3429000"/>
+          </a:xfrm>
+        </p:spPr>
+      </p:sp>
+      <p:sp>
+        <p:nvSpPr>
+          <p:cNvPr id="3" name="Espace réservé des commentaires 2"/>
+          <p:cNvSpPr>
+            <a:spLocks noGrp="1"/>
+          </p:cNvSpPr>
+          <p:nvPr>
+            <p:ph type="body" idx="1"/>
+          </p:nvPr>
+        </p:nvSpPr>
+        <p:spPr/>
+        <p:txBody>
+          <a:bodyPr/>
+          <a:lstStyle/>
+          <a:p>
+            <a:endParaRPr lang="fr-FR" dirty="0"/>
+          </a:p>
+        </p:txBody>
+      </p:sp>
+      <p:sp>
+        <p:nvSpPr>
+          <p:cNvPr id="4" name="Espace réservé du numéro de diapositive 3"/>
+          <p:cNvSpPr>
+            <a:spLocks noGrp="1"/>
+          </p:cNvSpPr>
+          <p:nvPr>
+            <p:ph type="sldNum" sz="quarter" idx="10"/>
+          </p:nvPr>
+        </p:nvSpPr>
+        <p:spPr/>
+        <p:txBody>
+          <a:bodyPr/>
+          <a:lstStyle/>
+          <a:p>
+            <a:fld id="{440FC0A7-280A-49A1-8C66-8E62F92236CF}" type="slidenum">
+              <a:rPr lang="fr-FR" smtClean="0"/>
+              <a:t>1</a:t>
+            </a:fld>
+            <a:endParaRPr lang="fr-FR"/>
+          </a:p>
+        </p:txBody>
+      </p:sp>
+    </p:spTree>
+    <p:extLst>
+      <p:ext uri="{BB962C8B-B14F-4D97-AF65-F5344CB8AC3E}">
+        <p14:creationId xmlns:p14="http://schemas.microsoft.com/office/powerpoint/2010/main" val="3502155167"/>
+      </p:ext>
+    </p:extLst>
+  </p:cSld>
+  <p:clrMapOvr>
+    <a:masterClrMapping/>
+  </p:clrMapOvr>
+</p:notes>
+</file>
+
 <file path=ppt/slideLayouts/slideLayout1.xml><?xml version="1.0" encoding="utf-8"?>
 <p:sldLayout xmlns:a="http://schemas.openxmlformats.org/drawingml/2006/main" xmlns:r="http://schemas.openxmlformats.org/officeDocument/2006/relationships" xmlns:p="http://schemas.openxmlformats.org/presentationml/2006/main" type="title" preserve="1">
   <p:cSld name="Diapositive de titre">
@@ -136,8 +578,8 @@
         </p:nvSpPr>
         <p:spPr>
           <a:xfrm>
-            <a:off x="688544" y="2181224"/>
-            <a:ext cx="7803437" cy="1505075"/>
+            <a:off x="696761" y="2181226"/>
+            <a:ext cx="7896543" cy="1505075"/>
           </a:xfrm>
         </p:spPr>
         <p:txBody>
@@ -164,8 +606,8 @@
         </p:nvSpPr>
         <p:spPr>
           <a:xfrm>
-            <a:off x="1377081" y="3978858"/>
-            <a:ext cx="6426359" cy="1794386"/>
+            <a:off x="1393513" y="3978858"/>
+            <a:ext cx="6503034" cy="1794386"/>
           </a:xfrm>
         </p:spPr>
         <p:txBody>
@@ -288,7 +730,7 @@
           <a:p>
             <a:fld id="{CFB9A4EB-D32E-4313-A1B8-0D1FB85A52B7}" type="datetimeFigureOut">
               <a:rPr lang="fr-FR" smtClean="0"/>
-              <a:t>29/06/2017</a:t>
+              <a:t>18/07/2017</a:t>
             </a:fld>
             <a:endParaRPr lang="fr-FR"/>
           </a:p>
@@ -458,7 +900,7 @@
           <a:p>
             <a:fld id="{CFB9A4EB-D32E-4313-A1B8-0D1FB85A52B7}" type="datetimeFigureOut">
               <a:rPr lang="fr-FR" smtClean="0"/>
-              <a:t>29/06/2017</a:t>
+              <a:t>18/07/2017</a:t>
             </a:fld>
             <a:endParaRPr lang="fr-FR"/>
           </a:p>
@@ -548,8 +990,8 @@
         </p:nvSpPr>
         <p:spPr>
           <a:xfrm>
-            <a:off x="6655874" y="281190"/>
-            <a:ext cx="2065617" cy="5991040"/>
+            <a:off x="6735288" y="281190"/>
+            <a:ext cx="2090263" cy="5991040"/>
           </a:xfrm>
         </p:spPr>
         <p:txBody>
@@ -576,8 +1018,8 @@
         </p:nvSpPr>
         <p:spPr>
           <a:xfrm>
-            <a:off x="459028" y="281190"/>
-            <a:ext cx="6043838" cy="5991040"/>
+            <a:off x="464505" y="281190"/>
+            <a:ext cx="6115950" cy="5991040"/>
           </a:xfrm>
         </p:spPr>
         <p:txBody>
@@ -638,7 +1080,7 @@
           <a:p>
             <a:fld id="{CFB9A4EB-D32E-4313-A1B8-0D1FB85A52B7}" type="datetimeFigureOut">
               <a:rPr lang="fr-FR" smtClean="0"/>
-              <a:t>29/06/2017</a:t>
+              <a:t>18/07/2017</a:t>
             </a:fld>
             <a:endParaRPr lang="fr-FR"/>
           </a:p>
@@ -808,7 +1250,7 @@
           <a:p>
             <a:fld id="{CFB9A4EB-D32E-4313-A1B8-0D1FB85A52B7}" type="datetimeFigureOut">
               <a:rPr lang="fr-FR" smtClean="0"/>
-              <a:t>29/06/2017</a:t>
+              <a:t>18/07/2017</a:t>
             </a:fld>
             <a:endParaRPr lang="fr-FR"/>
           </a:p>
@@ -898,8 +1340,8 @@
         </p:nvSpPr>
         <p:spPr>
           <a:xfrm>
-            <a:off x="725201" y="4511973"/>
-            <a:ext cx="7803437" cy="1394550"/>
+            <a:off x="733854" y="4511973"/>
+            <a:ext cx="7896543" cy="1394550"/>
           </a:xfrm>
         </p:spPr>
         <p:txBody>
@@ -930,8 +1372,8 @@
         </p:nvSpPr>
         <p:spPr>
           <a:xfrm>
-            <a:off x="725201" y="2976020"/>
-            <a:ext cx="7803437" cy="1535956"/>
+            <a:off x="733854" y="2976020"/>
+            <a:ext cx="7896543" cy="1535956"/>
           </a:xfrm>
         </p:spPr>
         <p:txBody>
@@ -1054,7 +1496,7 @@
           <a:p>
             <a:fld id="{CFB9A4EB-D32E-4313-A1B8-0D1FB85A52B7}" type="datetimeFigureOut">
               <a:rPr lang="fr-FR" smtClean="0"/>
-              <a:t>29/06/2017</a:t>
+              <a:t>18/07/2017</a:t>
             </a:fld>
             <a:endParaRPr lang="fr-FR"/>
           </a:p>
@@ -1167,8 +1609,8 @@
         </p:nvSpPr>
         <p:spPr>
           <a:xfrm>
-            <a:off x="459027" y="1638357"/>
-            <a:ext cx="4054727" cy="4633874"/>
+            <a:off x="464505" y="1638357"/>
+            <a:ext cx="4103106" cy="4633874"/>
           </a:xfrm>
         </p:spPr>
         <p:txBody>
@@ -1252,8 +1694,8 @@
         </p:nvSpPr>
         <p:spPr>
           <a:xfrm>
-            <a:off x="4666763" y="1638357"/>
-            <a:ext cx="4054727" cy="4633874"/>
+            <a:off x="4722444" y="1638357"/>
+            <a:ext cx="4103106" cy="4633874"/>
           </a:xfrm>
         </p:spPr>
         <p:txBody>
@@ -1342,7 +1784,7 @@
           <a:p>
             <a:fld id="{CFB9A4EB-D32E-4313-A1B8-0D1FB85A52B7}" type="datetimeFigureOut">
               <a:rPr lang="fr-FR" smtClean="0"/>
-              <a:t>29/06/2017</a:t>
+              <a:t>18/07/2017</a:t>
             </a:fld>
             <a:endParaRPr lang="fr-FR"/>
           </a:p>
@@ -1459,8 +1901,8 @@
         </p:nvSpPr>
         <p:spPr>
           <a:xfrm>
-            <a:off x="459029" y="1571717"/>
-            <a:ext cx="4056321" cy="655017"/>
+            <a:off x="464507" y="1571719"/>
+            <a:ext cx="4104718" cy="655017"/>
           </a:xfrm>
         </p:spPr>
         <p:txBody>
@@ -1524,8 +1966,8 @@
         </p:nvSpPr>
         <p:spPr>
           <a:xfrm>
-            <a:off x="459029" y="2226731"/>
-            <a:ext cx="4056321" cy="4045497"/>
+            <a:off x="464507" y="2226733"/>
+            <a:ext cx="4104718" cy="4045497"/>
           </a:xfrm>
         </p:spPr>
         <p:txBody>
@@ -1609,8 +2051,8 @@
         </p:nvSpPr>
         <p:spPr>
           <a:xfrm>
-            <a:off x="4663576" y="1571717"/>
-            <a:ext cx="4057915" cy="655017"/>
+            <a:off x="4719220" y="1571719"/>
+            <a:ext cx="4106332" cy="655017"/>
           </a:xfrm>
         </p:spPr>
         <p:txBody>
@@ -1674,8 +2116,8 @@
         </p:nvSpPr>
         <p:spPr>
           <a:xfrm>
-            <a:off x="4663576" y="2226731"/>
-            <a:ext cx="4057915" cy="4045497"/>
+            <a:off x="4719220" y="2226733"/>
+            <a:ext cx="4106332" cy="4045497"/>
           </a:xfrm>
         </p:spPr>
         <p:txBody>
@@ -1764,7 +2206,7 @@
           <a:p>
             <a:fld id="{CFB9A4EB-D32E-4313-A1B8-0D1FB85A52B7}" type="datetimeFigureOut">
               <a:rPr lang="fr-FR" smtClean="0"/>
-              <a:t>29/06/2017</a:t>
+              <a:t>18/07/2017</a:t>
             </a:fld>
             <a:endParaRPr lang="fr-FR"/>
           </a:p>
@@ -1882,7 +2324,7 @@
           <a:p>
             <a:fld id="{CFB9A4EB-D32E-4313-A1B8-0D1FB85A52B7}" type="datetimeFigureOut">
               <a:rPr lang="fr-FR" smtClean="0"/>
-              <a:t>29/06/2017</a:t>
+              <a:t>18/07/2017</a:t>
             </a:fld>
             <a:endParaRPr lang="fr-FR"/>
           </a:p>
@@ -1977,7 +2419,7 @@
           <a:p>
             <a:fld id="{CFB9A4EB-D32E-4313-A1B8-0D1FB85A52B7}" type="datetimeFigureOut">
               <a:rPr lang="fr-FR" smtClean="0"/>
-              <a:t>29/06/2017</a:t>
+              <a:t>18/07/2017</a:t>
             </a:fld>
             <a:endParaRPr lang="fr-FR"/>
           </a:p>
@@ -2067,8 +2509,8 @@
         </p:nvSpPr>
         <p:spPr>
           <a:xfrm>
-            <a:off x="459028" y="279561"/>
-            <a:ext cx="3020324" cy="1189756"/>
+            <a:off x="464505" y="279561"/>
+            <a:ext cx="3056361" cy="1189756"/>
           </a:xfrm>
         </p:spPr>
         <p:txBody>
@@ -2099,8 +2541,8 @@
         </p:nvSpPr>
         <p:spPr>
           <a:xfrm>
-            <a:off x="3589326" y="279564"/>
-            <a:ext cx="5132162" cy="5992667"/>
+            <a:off x="3632153" y="279566"/>
+            <a:ext cx="5193396" cy="5992667"/>
           </a:xfrm>
         </p:spPr>
         <p:txBody>
@@ -2184,8 +2626,8 @@
         </p:nvSpPr>
         <p:spPr>
           <a:xfrm>
-            <a:off x="459028" y="1469318"/>
-            <a:ext cx="3020324" cy="4802911"/>
+            <a:off x="464505" y="1469320"/>
+            <a:ext cx="3056361" cy="4802911"/>
           </a:xfrm>
         </p:spPr>
         <p:txBody>
@@ -2254,7 +2696,7 @@
           <a:p>
             <a:fld id="{CFB9A4EB-D32E-4313-A1B8-0D1FB85A52B7}" type="datetimeFigureOut">
               <a:rPr lang="fr-FR" smtClean="0"/>
-              <a:t>29/06/2017</a:t>
+              <a:t>18/07/2017</a:t>
             </a:fld>
             <a:endParaRPr lang="fr-FR"/>
           </a:p>
@@ -2344,8 +2786,8 @@
         </p:nvSpPr>
         <p:spPr>
           <a:xfrm>
-            <a:off x="1799445" y="4915059"/>
-            <a:ext cx="5508308" cy="580250"/>
+            <a:off x="1820915" y="4915059"/>
+            <a:ext cx="5574030" cy="580250"/>
           </a:xfrm>
         </p:spPr>
         <p:txBody>
@@ -2376,8 +2818,8 @@
         </p:nvSpPr>
         <p:spPr>
           <a:xfrm>
-            <a:off x="1799445" y="627385"/>
-            <a:ext cx="5508308" cy="4212908"/>
+            <a:off x="1820915" y="627385"/>
+            <a:ext cx="5574030" cy="4212908"/>
           </a:xfrm>
         </p:spPr>
         <p:txBody>
@@ -2437,8 +2879,8 @@
         </p:nvSpPr>
         <p:spPr>
           <a:xfrm>
-            <a:off x="1799445" y="5495314"/>
-            <a:ext cx="5508308" cy="824052"/>
+            <a:off x="1820915" y="5495314"/>
+            <a:ext cx="5574030" cy="824052"/>
           </a:xfrm>
         </p:spPr>
         <p:txBody>
@@ -2507,7 +2949,7 @@
           <a:p>
             <a:fld id="{CFB9A4EB-D32E-4313-A1B8-0D1FB85A52B7}" type="datetimeFigureOut">
               <a:rPr lang="fr-FR" smtClean="0"/>
-              <a:t>29/06/2017</a:t>
+              <a:t>18/07/2017</a:t>
             </a:fld>
             <a:endParaRPr lang="fr-FR"/>
           </a:p>
@@ -2602,8 +3044,8 @@
         </p:nvSpPr>
         <p:spPr>
           <a:xfrm>
-            <a:off x="459027" y="281191"/>
-            <a:ext cx="8262462" cy="1170254"/>
+            <a:off x="464504" y="281191"/>
+            <a:ext cx="8361046" cy="1170254"/>
           </a:xfrm>
           <a:prstGeom prst="rect">
             <a:avLst/>
@@ -2635,8 +3077,8 @@
         </p:nvSpPr>
         <p:spPr>
           <a:xfrm>
-            <a:off x="459027" y="1638357"/>
-            <a:ext cx="8262462" cy="4633874"/>
+            <a:off x="464504" y="1638357"/>
+            <a:ext cx="8361046" cy="4633874"/>
           </a:xfrm>
           <a:prstGeom prst="rect">
             <a:avLst/>
@@ -2697,8 +3139,8 @@
         </p:nvSpPr>
         <p:spPr>
           <a:xfrm>
-            <a:off x="459027" y="6507903"/>
-            <a:ext cx="2142120" cy="373831"/>
+            <a:off x="464504" y="6507905"/>
+            <a:ext cx="2167678" cy="373831"/>
           </a:xfrm>
           <a:prstGeom prst="rect">
             <a:avLst/>
@@ -2720,7 +3162,7 @@
           <a:p>
             <a:fld id="{CFB9A4EB-D32E-4313-A1B8-0D1FB85A52B7}" type="datetimeFigureOut">
               <a:rPr lang="fr-FR" smtClean="0"/>
-              <a:t>29/06/2017</a:t>
+              <a:t>18/07/2017</a:t>
             </a:fld>
             <a:endParaRPr lang="fr-FR"/>
           </a:p>
@@ -2738,8 +3180,8 @@
         </p:nvSpPr>
         <p:spPr>
           <a:xfrm>
-            <a:off x="3136678" y="6507903"/>
-            <a:ext cx="2907162" cy="373831"/>
+            <a:off x="3174104" y="6507905"/>
+            <a:ext cx="2941849" cy="373831"/>
           </a:xfrm>
           <a:prstGeom prst="rect">
             <a:avLst/>
@@ -2775,8 +3217,8 @@
         </p:nvSpPr>
         <p:spPr>
           <a:xfrm>
-            <a:off x="6579369" y="6507903"/>
-            <a:ext cx="2142120" cy="373831"/>
+            <a:off x="6657872" y="6507905"/>
+            <a:ext cx="2167678" cy="373831"/>
           </a:xfrm>
           <a:prstGeom prst="rect">
             <a:avLst/>
@@ -3097,14 +3539,14 @@
       </p:grpSpPr>
       <p:pic>
         <p:nvPicPr>
-          <p:cNvPr id="1033" name="Picture 9"/>
+          <p:cNvPr id="11" name="Picture 2"/>
           <p:cNvPicPr>
             <a:picLocks noChangeAspect="1" noChangeArrowheads="1"/>
           </p:cNvPicPr>
           <p:nvPr/>
         </p:nvPicPr>
         <p:blipFill>
-          <a:blip r:embed="rId2">
+          <a:blip r:embed="rId3">
             <a:extLst>
               <a:ext uri="{28A0092B-C50C-407E-A947-70E740481C1C}">
                 <a14:useLocalDpi xmlns:a14="http://schemas.microsoft.com/office/drawing/2010/main" val="0"/>
@@ -3118,8 +3560,8 @@
         </p:blipFill>
         <p:spPr bwMode="auto">
           <a:xfrm>
-            <a:off x="4662000" y="-108000"/>
-            <a:ext cx="4815003" cy="7174800"/>
+            <a:off x="4492800" y="-140400"/>
+            <a:ext cx="4990289" cy="7257600"/>
           </a:xfrm>
           <a:prstGeom prst="rect">
             <a:avLst/>
@@ -3151,29 +3593,27 @@
       </p:pic>
       <p:pic>
         <p:nvPicPr>
-          <p:cNvPr id="21" name="Picture 2"/>
+          <p:cNvPr id="12" name="Picture 2"/>
           <p:cNvPicPr>
             <a:picLocks noChangeAspect="1" noChangeArrowheads="1"/>
           </p:cNvPicPr>
           <p:nvPr/>
         </p:nvPicPr>
-        <p:blipFill>
-          <a:blip r:embed="rId3">
+        <p:blipFill rotWithShape="1">
+          <a:blip r:embed="rId4">
             <a:extLst>
               <a:ext uri="{28A0092B-C50C-407E-A947-70E740481C1C}">
                 <a14:useLocalDpi xmlns:a14="http://schemas.microsoft.com/office/drawing/2010/main" val="0"/>
               </a:ext>
             </a:extLst>
           </a:blip>
-          <a:srcRect/>
-          <a:stretch>
-            <a:fillRect/>
-          </a:stretch>
+          <a:srcRect r="6923"/>
+          <a:stretch/>
         </p:blipFill>
         <p:spPr bwMode="auto">
           <a:xfrm>
             <a:off x="-143792" y="-143966"/>
-            <a:ext cx="5006642" cy="7200000"/>
+            <a:ext cx="4660036" cy="7200000"/>
           </a:xfrm>
           <a:prstGeom prst="rect">
             <a:avLst/>
@@ -3215,7 +3655,7 @@
       </p:pic>
       <p:sp>
         <p:nvSpPr>
-          <p:cNvPr id="23" name="ZoneTexte 22"/>
+          <p:cNvPr id="13" name="ZoneTexte 12"/>
           <p:cNvSpPr txBox="1"/>
           <p:nvPr/>
         </p:nvSpPr>
@@ -3251,13 +3691,13 @@
       </p:sp>
       <p:sp>
         <p:nvSpPr>
-          <p:cNvPr id="24" name="ZoneTexte 23"/>
+          <p:cNvPr id="14" name="ZoneTexte 13"/>
           <p:cNvSpPr txBox="1"/>
           <p:nvPr/>
         </p:nvSpPr>
         <p:spPr>
           <a:xfrm>
-            <a:off x="4598790" y="-89644"/>
+            <a:off x="4589692" y="-89644"/>
             <a:ext cx="441146" cy="461665"/>
           </a:xfrm>
           <a:prstGeom prst="rect">
@@ -3588,4 +4028,289 @@
   <a:objectDefaults/>
   <a:extraClrSchemeLst/>
 </a:theme>
+</file>
+
+<file path=ppt/theme/theme2.xml><?xml version="1.0" encoding="utf-8"?>
+<a:theme xmlns:a="http://schemas.openxmlformats.org/drawingml/2006/main" name="Thème Office">
+  <a:themeElements>
+    <a:clrScheme name="Office">
+      <a:dk1>
+        <a:sysClr val="windowText" lastClr="000000"/>
+      </a:dk1>
+      <a:lt1>
+        <a:sysClr val="window" lastClr="FFFFFF"/>
+      </a:lt1>
+      <a:dk2>
+        <a:srgbClr val="1F497D"/>
+      </a:dk2>
+      <a:lt2>
+        <a:srgbClr val="EEECE1"/>
+      </a:lt2>
+      <a:accent1>
+        <a:srgbClr val="4F81BD"/>
+      </a:accent1>
+      <a:accent2>
+        <a:srgbClr val="C0504D"/>
+      </a:accent2>
+      <a:accent3>
+        <a:srgbClr val="9BBB59"/>
+      </a:accent3>
+      <a:accent4>
+        <a:srgbClr val="8064A2"/>
+      </a:accent4>
+      <a:accent5>
+        <a:srgbClr val="4BACC6"/>
+      </a:accent5>
+      <a:accent6>
+        <a:srgbClr val="F79646"/>
+      </a:accent6>
+      <a:hlink>
+        <a:srgbClr val="0000FF"/>
+      </a:hlink>
+      <a:folHlink>
+        <a:srgbClr val="800080"/>
+      </a:folHlink>
+    </a:clrScheme>
+    <a:fontScheme name="Office">
+      <a:majorFont>
+        <a:latin typeface="Calibri"/>
+        <a:ea typeface=""/>
+        <a:cs typeface=""/>
+        <a:font script="Jpan" typeface="ＭＳ Ｐゴシック"/>
+        <a:font script="Hang" typeface="맑은 고딕"/>
+        <a:font script="Hans" typeface="宋体"/>
+        <a:font script="Hant" typeface="新細明體"/>
+        <a:font script="Arab" typeface="Times New Roman"/>
+        <a:font script="Hebr" typeface="Times New Roman"/>
+        <a:font script="Thai" typeface="Angsana New"/>
+        <a:font script="Ethi" typeface="Nyala"/>
+        <a:font script="Beng" typeface="Vrinda"/>
+        <a:font script="Gujr" typeface="Shruti"/>
+        <a:font script="Khmr" typeface="MoolBoran"/>
+        <a:font script="Knda" typeface="Tunga"/>
+        <a:font script="Guru" typeface="Raavi"/>
+        <a:font script="Cans" typeface="Euphemia"/>
+        <a:font script="Cher" typeface="Plantagenet Cherokee"/>
+        <a:font script="Yiii" typeface="Microsoft Yi Baiti"/>
+        <a:font script="Tibt" typeface="Microsoft Himalaya"/>
+        <a:font script="Thaa" typeface="MV Boli"/>
+        <a:font script="Deva" typeface="Mangal"/>
+        <a:font script="Telu" typeface="Gautami"/>
+        <a:font script="Taml" typeface="Latha"/>
+        <a:font script="Syrc" typeface="Estrangelo Edessa"/>
+        <a:font script="Orya" typeface="Kalinga"/>
+        <a:font script="Mlym" typeface="Kartika"/>
+        <a:font script="Laoo" typeface="DokChampa"/>
+        <a:font script="Sinh" typeface="Iskoola Pota"/>
+        <a:font script="Mong" typeface="Mongolian Baiti"/>
+        <a:font script="Viet" typeface="Times New Roman"/>
+        <a:font script="Uigh" typeface="Microsoft Uighur"/>
+        <a:font script="Geor" typeface="Sylfaen"/>
+      </a:majorFont>
+      <a:minorFont>
+        <a:latin typeface="Calibri"/>
+        <a:ea typeface=""/>
+        <a:cs typeface=""/>
+        <a:font script="Jpan" typeface="ＭＳ Ｐゴシック"/>
+        <a:font script="Hang" typeface="맑은 고딕"/>
+        <a:font script="Hans" typeface="宋体"/>
+        <a:font script="Hant" typeface="新細明體"/>
+        <a:font script="Arab" typeface="Arial"/>
+        <a:font script="Hebr" typeface="Arial"/>
+        <a:font script="Thai" typeface="Cordia New"/>
+        <a:font script="Ethi" typeface="Nyala"/>
+        <a:font script="Beng" typeface="Vrinda"/>
+        <a:font script="Gujr" typeface="Shruti"/>
+        <a:font script="Khmr" typeface="DaunPenh"/>
+        <a:font script="Knda" typeface="Tunga"/>
+        <a:font script="Guru" typeface="Raavi"/>
+        <a:font script="Cans" typeface="Euphemia"/>
+        <a:font script="Cher" typeface="Plantagenet Cherokee"/>
+        <a:font script="Yiii" typeface="Microsoft Yi Baiti"/>
+        <a:font script="Tibt" typeface="Microsoft Himalaya"/>
+        <a:font script="Thaa" typeface="MV Boli"/>
+        <a:font script="Deva" typeface="Mangal"/>
+        <a:font script="Telu" typeface="Gautami"/>
+        <a:font script="Taml" typeface="Latha"/>
+        <a:font script="Syrc" typeface="Estrangelo Edessa"/>
+        <a:font script="Orya" typeface="Kalinga"/>
+        <a:font script="Mlym" typeface="Kartika"/>
+        <a:font script="Laoo" typeface="DokChampa"/>
+        <a:font script="Sinh" typeface="Iskoola Pota"/>
+        <a:font script="Mong" typeface="Mongolian Baiti"/>
+        <a:font script="Viet" typeface="Arial"/>
+        <a:font script="Uigh" typeface="Microsoft Uighur"/>
+        <a:font script="Geor" typeface="Sylfaen"/>
+      </a:minorFont>
+    </a:fontScheme>
+    <a:fmtScheme name="Office">
+      <a:fillStyleLst>
+        <a:solidFill>
+          <a:schemeClr val="phClr"/>
+        </a:solidFill>
+        <a:gradFill rotWithShape="1">
+          <a:gsLst>
+            <a:gs pos="0">
+              <a:schemeClr val="phClr">
+                <a:tint val="50000"/>
+                <a:satMod val="300000"/>
+              </a:schemeClr>
+            </a:gs>
+            <a:gs pos="35000">
+              <a:schemeClr val="phClr">
+                <a:tint val="37000"/>
+                <a:satMod val="300000"/>
+              </a:schemeClr>
+            </a:gs>
+            <a:gs pos="100000">
+              <a:schemeClr val="phClr">
+                <a:tint val="15000"/>
+                <a:satMod val="350000"/>
+              </a:schemeClr>
+            </a:gs>
+          </a:gsLst>
+          <a:lin ang="16200000" scaled="1"/>
+        </a:gradFill>
+        <a:gradFill rotWithShape="1">
+          <a:gsLst>
+            <a:gs pos="0">
+              <a:schemeClr val="phClr">
+                <a:shade val="51000"/>
+                <a:satMod val="130000"/>
+              </a:schemeClr>
+            </a:gs>
+            <a:gs pos="80000">
+              <a:schemeClr val="phClr">
+                <a:shade val="93000"/>
+                <a:satMod val="130000"/>
+              </a:schemeClr>
+            </a:gs>
+            <a:gs pos="100000">
+              <a:schemeClr val="phClr">
+                <a:shade val="94000"/>
+                <a:satMod val="135000"/>
+              </a:schemeClr>
+            </a:gs>
+          </a:gsLst>
+          <a:lin ang="16200000" scaled="0"/>
+        </a:gradFill>
+      </a:fillStyleLst>
+      <a:lnStyleLst>
+        <a:ln w="9525" cap="flat" cmpd="sng" algn="ctr">
+          <a:solidFill>
+            <a:schemeClr val="phClr">
+              <a:shade val="95000"/>
+              <a:satMod val="105000"/>
+            </a:schemeClr>
+          </a:solidFill>
+          <a:prstDash val="solid"/>
+        </a:ln>
+        <a:ln w="25400" cap="flat" cmpd="sng" algn="ctr">
+          <a:solidFill>
+            <a:schemeClr val="phClr"/>
+          </a:solidFill>
+          <a:prstDash val="solid"/>
+        </a:ln>
+        <a:ln w="38100" cap="flat" cmpd="sng" algn="ctr">
+          <a:solidFill>
+            <a:schemeClr val="phClr"/>
+          </a:solidFill>
+          <a:prstDash val="solid"/>
+        </a:ln>
+      </a:lnStyleLst>
+      <a:effectStyleLst>
+        <a:effectStyle>
+          <a:effectLst>
+            <a:outerShdw blurRad="40000" dist="20000" dir="5400000" rotWithShape="0">
+              <a:srgbClr val="000000">
+                <a:alpha val="38000"/>
+              </a:srgbClr>
+            </a:outerShdw>
+          </a:effectLst>
+        </a:effectStyle>
+        <a:effectStyle>
+          <a:effectLst>
+            <a:outerShdw blurRad="40000" dist="23000" dir="5400000" rotWithShape="0">
+              <a:srgbClr val="000000">
+                <a:alpha val="35000"/>
+              </a:srgbClr>
+            </a:outerShdw>
+          </a:effectLst>
+        </a:effectStyle>
+        <a:effectStyle>
+          <a:effectLst>
+            <a:outerShdw blurRad="40000" dist="23000" dir="5400000" rotWithShape="0">
+              <a:srgbClr val="000000">
+                <a:alpha val="35000"/>
+              </a:srgbClr>
+            </a:outerShdw>
+          </a:effectLst>
+          <a:scene3d>
+            <a:camera prst="orthographicFront">
+              <a:rot lat="0" lon="0" rev="0"/>
+            </a:camera>
+            <a:lightRig rig="threePt" dir="t">
+              <a:rot lat="0" lon="0" rev="1200000"/>
+            </a:lightRig>
+          </a:scene3d>
+          <a:sp3d>
+            <a:bevelT w="63500" h="25400"/>
+          </a:sp3d>
+        </a:effectStyle>
+      </a:effectStyleLst>
+      <a:bgFillStyleLst>
+        <a:solidFill>
+          <a:schemeClr val="phClr"/>
+        </a:solidFill>
+        <a:gradFill rotWithShape="1">
+          <a:gsLst>
+            <a:gs pos="0">
+              <a:schemeClr val="phClr">
+                <a:tint val="40000"/>
+                <a:satMod val="350000"/>
+              </a:schemeClr>
+            </a:gs>
+            <a:gs pos="40000">
+              <a:schemeClr val="phClr">
+                <a:tint val="45000"/>
+                <a:shade val="99000"/>
+                <a:satMod val="350000"/>
+              </a:schemeClr>
+            </a:gs>
+            <a:gs pos="100000">
+              <a:schemeClr val="phClr">
+                <a:shade val="20000"/>
+                <a:satMod val="255000"/>
+              </a:schemeClr>
+            </a:gs>
+          </a:gsLst>
+          <a:path path="circle">
+            <a:fillToRect l="50000" t="-80000" r="50000" b="180000"/>
+          </a:path>
+        </a:gradFill>
+        <a:gradFill rotWithShape="1">
+          <a:gsLst>
+            <a:gs pos="0">
+              <a:schemeClr val="phClr">
+                <a:tint val="80000"/>
+                <a:satMod val="300000"/>
+              </a:schemeClr>
+            </a:gs>
+            <a:gs pos="100000">
+              <a:schemeClr val="phClr">
+                <a:shade val="30000"/>
+                <a:satMod val="200000"/>
+              </a:schemeClr>
+            </a:gs>
+          </a:gsLst>
+          <a:path path="circle">
+            <a:fillToRect l="50000" t="50000" r="50000" b="50000"/>
+          </a:path>
+        </a:gradFill>
+      </a:bgFillStyleLst>
+    </a:fmtScheme>
+  </a:themeElements>
+  <a:objectDefaults/>
+  <a:extraClrSchemeLst/>
+</a:theme>
 </file>